--- a/Architekturprinzip/Architekturprinzipen.pptx
+++ b/Architekturprinzip/Architekturprinzipen.pptx
@@ -11,12 +11,14 @@
     <p:sldId id="259" r:id="rId5"/>
     <p:sldId id="260" r:id="rId6"/>
     <p:sldId id="261" r:id="rId7"/>
-    <p:sldId id="262" r:id="rId8"/>
-    <p:sldId id="263" r:id="rId9"/>
-    <p:sldId id="264" r:id="rId10"/>
-    <p:sldId id="265" r:id="rId11"/>
-    <p:sldId id="266" r:id="rId12"/>
-    <p:sldId id="267" r:id="rId13"/>
+    <p:sldId id="268" r:id="rId8"/>
+    <p:sldId id="269" r:id="rId9"/>
+    <p:sldId id="262" r:id="rId10"/>
+    <p:sldId id="263" r:id="rId11"/>
+    <p:sldId id="264" r:id="rId12"/>
+    <p:sldId id="265" r:id="rId13"/>
+    <p:sldId id="266" r:id="rId14"/>
+    <p:sldId id="267" r:id="rId15"/>
   </p:sldIdLst>
   <p:sldSz cx="12192000" cy="6858000"/>
   <p:notesSz cx="6858000" cy="9144000"/>
@@ -115,6 +117,11 @@
       </a:defRPr>
     </a:lvl9pPr>
   </p:defaultTextStyle>
+  <p:extLst>
+    <p:ext uri="{EFAFB233-063F-42B5-8137-9DF3F51BA10A}">
+      <p15:sldGuideLst xmlns:p15="http://schemas.microsoft.com/office/powerpoint/2012/main"/>
+    </p:ext>
+  </p:extLst>
 </p:presentation>
 </file>
 
@@ -3070,27 +3077,7 @@
           <a:p>
             <a:r>
               <a:rPr lang="de-CH" dirty="0" smtClean="0"/>
-              <a:t>Christian Feuz, </a:t>
-            </a:r>
-            <a:r>
-              <a:rPr lang="de-CH" dirty="0" smtClean="0"/>
-              <a:t>Jan Klominsky, </a:t>
-            </a:r>
-            <a:r>
-              <a:rPr lang="de-CH" dirty="0" smtClean="0"/>
-              <a:t>Michael Krau</a:t>
-            </a:r>
-            <a:r>
-              <a:rPr lang="de-CH" dirty="0" smtClean="0"/>
-              <a:t>ß</a:t>
-            </a:r>
-            <a:r>
-              <a:rPr lang="de-CH" dirty="0" smtClean="0"/>
-              <a:t>e, Frank Moritz, </a:t>
-            </a:r>
-            <a:r>
-              <a:rPr lang="de-CH" dirty="0" smtClean="0"/>
-              <a:t>Ye Zhao</a:t>
+              <a:t>Christian Feuz, Jan Klominsky, Michael Krauße, Frank Moritz, Ye Zhao</a:t>
             </a:r>
             <a:endParaRPr lang="de-CH" dirty="0"/>
           </a:p>
@@ -3150,24 +3137,8 @@
           <a:p>
             <a:pPr algn="ctr"/>
             <a:r>
-              <a:rPr lang="de-CH" dirty="0" err="1" smtClean="0"/>
-              <a:t>Primacy</a:t>
-            </a:r>
-            <a:r>
-              <a:rPr lang="de-CH" dirty="0" smtClean="0"/>
-              <a:t> </a:t>
-            </a:r>
-            <a:r>
-              <a:rPr lang="de-CH" dirty="0" err="1" smtClean="0"/>
-              <a:t>of</a:t>
-            </a:r>
-            <a:r>
-              <a:rPr lang="de-CH" dirty="0" smtClean="0"/>
-              <a:t> </a:t>
-            </a:r>
-            <a:r>
-              <a:rPr lang="de-CH" dirty="0" err="1" smtClean="0"/>
-              <a:t>Principles</a:t>
+              <a:rPr lang="de-CH" dirty="0" smtClean="0"/>
+              <a:t>Data Security</a:t>
             </a:r>
             <a:endParaRPr lang="de-CH" dirty="0"/>
           </a:p>
@@ -3185,21 +3156,36 @@
         </p:nvSpPr>
         <p:spPr/>
         <p:txBody>
-          <a:bodyPr/>
-          <a:lstStyle/>
-          <a:p>
-            <a:r>
-              <a:rPr lang="de-CH" dirty="0" smtClean="0"/>
-              <a:t>Die Architekturprinzipen sind für alle Abteilungen verbindlich</a:t>
-            </a:r>
-          </a:p>
-          <a:p>
-            <a:r>
-              <a:rPr lang="de-CH" dirty="0" smtClean="0"/>
-              <a:t>Neue Projekte müssen die Prinzipen berücksichtigen</a:t>
-            </a:r>
-          </a:p>
-          <a:p>
+          <a:bodyPr>
+            <a:normAutofit/>
+          </a:bodyPr>
+          <a:lstStyle/>
+          <a:p>
+            <a:r>
+              <a:rPr lang="de-CH" dirty="0" smtClean="0"/>
+              <a:t>Vorteile:</a:t>
+            </a:r>
+          </a:p>
+          <a:p>
+            <a:pPr lvl="1"/>
+            <a:r>
+              <a:rPr lang="de-CH" dirty="0" smtClean="0"/>
+              <a:t>Erfüllung der gesetzlichen Auflagen</a:t>
+            </a:r>
+          </a:p>
+          <a:p>
+            <a:pPr lvl="1"/>
+            <a:r>
+              <a:rPr lang="de-CH" dirty="0" smtClean="0"/>
+              <a:t>Wissensvorsprung behalten</a:t>
+            </a:r>
+          </a:p>
+          <a:p>
+            <a:pPr lvl="1"/>
+            <a:r>
+              <a:rPr lang="de-CH" dirty="0" smtClean="0"/>
+              <a:t>Verkaufsargument</a:t>
+            </a:r>
             <a:endParaRPr lang="de-CH" dirty="0"/>
           </a:p>
         </p:txBody>
@@ -3207,7 +3193,7 @@
     </p:spTree>
     <p:extLst>
       <p:ext uri="{BB962C8B-B14F-4D97-AF65-F5344CB8AC3E}">
-        <p14:creationId xmlns:p14="http://schemas.microsoft.com/office/powerpoint/2010/main" val="1478543298"/>
+        <p14:creationId xmlns:p14="http://schemas.microsoft.com/office/powerpoint/2010/main" val="1478935587"/>
       </p:ext>
     </p:extLst>
   </p:cSld>
@@ -3258,6 +3244,253 @@
           <a:p>
             <a:pPr algn="ctr"/>
             <a:r>
+              <a:rPr lang="de-CH" dirty="0" smtClean="0"/>
+              <a:t>Data Security</a:t>
+            </a:r>
+            <a:endParaRPr lang="de-CH" dirty="0"/>
+          </a:p>
+        </p:txBody>
+      </p:sp>
+      <p:sp>
+        <p:nvSpPr>
+          <p:cNvPr id="3" name="Inhaltsplatzhalter 2"/>
+          <p:cNvSpPr>
+            <a:spLocks noGrp="1"/>
+          </p:cNvSpPr>
+          <p:nvPr>
+            <p:ph idx="1"/>
+          </p:nvPr>
+        </p:nvSpPr>
+        <p:spPr/>
+        <p:txBody>
+          <a:bodyPr>
+            <a:normAutofit/>
+          </a:bodyPr>
+          <a:lstStyle/>
+          <a:p>
+            <a:r>
+              <a:rPr lang="de-CH" dirty="0" smtClean="0"/>
+              <a:t>Vorteile:</a:t>
+            </a:r>
+          </a:p>
+          <a:p>
+            <a:pPr lvl="1"/>
+            <a:r>
+              <a:rPr lang="de-CH" dirty="0" smtClean="0"/>
+              <a:t>Erfüllung der gesetzlichen Auflagen</a:t>
+            </a:r>
+          </a:p>
+          <a:p>
+            <a:pPr lvl="1"/>
+            <a:r>
+              <a:rPr lang="de-CH" dirty="0" smtClean="0"/>
+              <a:t>Wissensvorsprung behalten</a:t>
+            </a:r>
+          </a:p>
+          <a:p>
+            <a:pPr lvl="1"/>
+            <a:r>
+              <a:rPr lang="de-CH" dirty="0" smtClean="0"/>
+              <a:t>Verkaufsargument</a:t>
+            </a:r>
+          </a:p>
+          <a:p>
+            <a:pPr lvl="1"/>
+            <a:endParaRPr lang="de-CH" dirty="0" smtClean="0"/>
+          </a:p>
+          <a:p>
+            <a:r>
+              <a:rPr lang="de-CH" dirty="0" smtClean="0"/>
+              <a:t>Nachteile</a:t>
+            </a:r>
+          </a:p>
+          <a:p>
+            <a:pPr lvl="1"/>
+            <a:r>
+              <a:rPr lang="de-CH" dirty="0" smtClean="0"/>
+              <a:t>Aufwand (technisch, finanziell)</a:t>
+            </a:r>
+          </a:p>
+          <a:p>
+            <a:pPr lvl="1"/>
+            <a:r>
+              <a:rPr lang="de-CH" dirty="0" smtClean="0"/>
+              <a:t>Entsprechendes </a:t>
+            </a:r>
+            <a:r>
+              <a:rPr lang="de-CH" dirty="0" err="1" smtClean="0"/>
+              <a:t>Know-How</a:t>
+            </a:r>
+            <a:r>
+              <a:rPr lang="de-CH" dirty="0" smtClean="0"/>
+              <a:t> notwendig</a:t>
+            </a:r>
+            <a:endParaRPr lang="de-CH" dirty="0"/>
+          </a:p>
+        </p:txBody>
+      </p:sp>
+    </p:spTree>
+    <p:extLst>
+      <p:ext uri="{BB962C8B-B14F-4D97-AF65-F5344CB8AC3E}">
+        <p14:creationId xmlns:p14="http://schemas.microsoft.com/office/powerpoint/2010/main" val="627881431"/>
+      </p:ext>
+    </p:extLst>
+  </p:cSld>
+  <p:clrMapOvr>
+    <a:masterClrMapping/>
+  </p:clrMapOvr>
+  <p:timing>
+    <p:tnLst>
+      <p:par>
+        <p:cTn id="1" dur="indefinite" restart="never" nodeType="tmRoot"/>
+      </p:par>
+    </p:tnLst>
+  </p:timing>
+</p:sld>
+</file>
+
+<file path=ppt/slides/slide12.xml><?xml version="1.0" encoding="utf-8"?>
+<p:sld xmlns:a="http://schemas.openxmlformats.org/drawingml/2006/main" xmlns:r="http://schemas.openxmlformats.org/officeDocument/2006/relationships" xmlns:p="http://schemas.openxmlformats.org/presentationml/2006/main">
+  <p:cSld>
+    <p:spTree>
+      <p:nvGrpSpPr>
+        <p:cNvPr id="1" name=""/>
+        <p:cNvGrpSpPr/>
+        <p:nvPr/>
+      </p:nvGrpSpPr>
+      <p:grpSpPr>
+        <a:xfrm>
+          <a:off x="0" y="0"/>
+          <a:ext cx="0" cy="0"/>
+          <a:chOff x="0" y="0"/>
+          <a:chExt cx="0" cy="0"/>
+        </a:xfrm>
+      </p:grpSpPr>
+      <p:sp>
+        <p:nvSpPr>
+          <p:cNvPr id="2" name="Titel 1"/>
+          <p:cNvSpPr>
+            <a:spLocks noGrp="1"/>
+          </p:cNvSpPr>
+          <p:nvPr>
+            <p:ph type="title"/>
+          </p:nvPr>
+        </p:nvSpPr>
+        <p:spPr/>
+        <p:txBody>
+          <a:bodyPr/>
+          <a:lstStyle/>
+          <a:p>
+            <a:pPr algn="ctr"/>
+            <a:r>
+              <a:rPr lang="de-CH" dirty="0" err="1" smtClean="0"/>
+              <a:t>Primacy</a:t>
+            </a:r>
+            <a:r>
+              <a:rPr lang="de-CH" dirty="0" smtClean="0"/>
+              <a:t> </a:t>
+            </a:r>
+            <a:r>
+              <a:rPr lang="de-CH" dirty="0" err="1" smtClean="0"/>
+              <a:t>of</a:t>
+            </a:r>
+            <a:r>
+              <a:rPr lang="de-CH" dirty="0" smtClean="0"/>
+              <a:t> </a:t>
+            </a:r>
+            <a:r>
+              <a:rPr lang="de-CH" dirty="0" err="1" smtClean="0"/>
+              <a:t>Principles</a:t>
+            </a:r>
+            <a:endParaRPr lang="de-CH" dirty="0"/>
+          </a:p>
+        </p:txBody>
+      </p:sp>
+      <p:sp>
+        <p:nvSpPr>
+          <p:cNvPr id="3" name="Inhaltsplatzhalter 2"/>
+          <p:cNvSpPr>
+            <a:spLocks noGrp="1"/>
+          </p:cNvSpPr>
+          <p:nvPr>
+            <p:ph idx="1"/>
+          </p:nvPr>
+        </p:nvSpPr>
+        <p:spPr/>
+        <p:txBody>
+          <a:bodyPr/>
+          <a:lstStyle/>
+          <a:p>
+            <a:r>
+              <a:rPr lang="de-CH" dirty="0" smtClean="0"/>
+              <a:t>Die Architekturprinzipen sind für alle Abteilungen verbindlich</a:t>
+            </a:r>
+          </a:p>
+          <a:p>
+            <a:r>
+              <a:rPr lang="de-CH" dirty="0" smtClean="0"/>
+              <a:t>Neue Projekte müssen die Prinzipen berücksichtigen</a:t>
+            </a:r>
+          </a:p>
+          <a:p>
+            <a:endParaRPr lang="de-CH" dirty="0"/>
+          </a:p>
+        </p:txBody>
+      </p:sp>
+    </p:spTree>
+    <p:extLst>
+      <p:ext uri="{BB962C8B-B14F-4D97-AF65-F5344CB8AC3E}">
+        <p14:creationId xmlns:p14="http://schemas.microsoft.com/office/powerpoint/2010/main" val="1478543298"/>
+      </p:ext>
+    </p:extLst>
+  </p:cSld>
+  <p:clrMapOvr>
+    <a:masterClrMapping/>
+  </p:clrMapOvr>
+  <p:timing>
+    <p:tnLst>
+      <p:par>
+        <p:cTn id="1" dur="indefinite" restart="never" nodeType="tmRoot"/>
+      </p:par>
+    </p:tnLst>
+  </p:timing>
+</p:sld>
+</file>
+
+<file path=ppt/slides/slide13.xml><?xml version="1.0" encoding="utf-8"?>
+<p:sld xmlns:a="http://schemas.openxmlformats.org/drawingml/2006/main" xmlns:r="http://schemas.openxmlformats.org/officeDocument/2006/relationships" xmlns:p="http://schemas.openxmlformats.org/presentationml/2006/main">
+  <p:cSld>
+    <p:spTree>
+      <p:nvGrpSpPr>
+        <p:cNvPr id="1" name=""/>
+        <p:cNvGrpSpPr/>
+        <p:nvPr/>
+      </p:nvGrpSpPr>
+      <p:grpSpPr>
+        <a:xfrm>
+          <a:off x="0" y="0"/>
+          <a:ext cx="0" cy="0"/>
+          <a:chOff x="0" y="0"/>
+          <a:chExt cx="0" cy="0"/>
+        </a:xfrm>
+      </p:grpSpPr>
+      <p:sp>
+        <p:nvSpPr>
+          <p:cNvPr id="2" name="Titel 1"/>
+          <p:cNvSpPr>
+            <a:spLocks noGrp="1"/>
+          </p:cNvSpPr>
+          <p:nvPr>
+            <p:ph type="title"/>
+          </p:nvPr>
+        </p:nvSpPr>
+        <p:spPr/>
+        <p:txBody>
+          <a:bodyPr/>
+          <a:lstStyle/>
+          <a:p>
+            <a:pPr algn="ctr"/>
+            <a:r>
               <a:rPr lang="de-CH" dirty="0" err="1" smtClean="0"/>
               <a:t>Primacy</a:t>
             </a:r>
@@ -3347,7 +3580,7 @@
 </p:sld>
 </file>
 
-<file path=ppt/slides/slide12.xml><?xml version="1.0" encoding="utf-8"?>
+<file path=ppt/slides/slide14.xml><?xml version="1.0" encoding="utf-8"?>
 <p:sld xmlns:a="http://schemas.openxmlformats.org/drawingml/2006/main" xmlns:r="http://schemas.openxmlformats.org/officeDocument/2006/relationships" xmlns:p="http://schemas.openxmlformats.org/presentationml/2006/main">
   <p:cSld>
     <p:spTree>
@@ -3997,6 +4230,10 @@
           <a:bodyPr/>
           <a:lstStyle/>
           <a:p>
+            <a:r>
+              <a:rPr lang="de-CH" dirty="0" smtClean="0"/>
+              <a:t>Unternehmensweit Definition und Verständnis</a:t>
+            </a:r>
             <a:endParaRPr lang="de-CH" dirty="0"/>
           </a:p>
         </p:txBody>
@@ -4055,8 +4292,8 @@
           <a:p>
             <a:pPr algn="ctr"/>
             <a:r>
-              <a:rPr lang="de-CH" dirty="0" smtClean="0"/>
-              <a:t>Data Security</a:t>
+              <a:rPr lang="en-US" dirty="0" smtClean="0"/>
+              <a:t>Common Vocabulary and Data Definitions</a:t>
             </a:r>
             <a:endParaRPr lang="de-CH" dirty="0"/>
           </a:p>
@@ -4074,36 +4311,28 @@
         </p:nvSpPr>
         <p:spPr/>
         <p:txBody>
-          <a:bodyPr>
-            <a:normAutofit/>
-          </a:bodyPr>
-          <a:lstStyle/>
+          <a:bodyPr/>
+          <a:lstStyle/>
+          <a:p>
+            <a:r>
+              <a:rPr lang="de-CH" dirty="0" smtClean="0"/>
+              <a:t>Unternehmensweit Definition und Verständnis</a:t>
+            </a:r>
+          </a:p>
+          <a:p>
+            <a:endParaRPr lang="de-CH" dirty="0"/>
+          </a:p>
           <a:p>
             <a:r>
               <a:rPr lang="de-CH" dirty="0"/>
-              <a:t>s</a:t>
-            </a:r>
-            <a:r>
-              <a:rPr lang="de-CH" dirty="0" smtClean="0"/>
-              <a:t>ensible Daten müssen vor unberechtigtem Zugriff geschützt werden</a:t>
-            </a:r>
-          </a:p>
-          <a:p>
-            <a:r>
-              <a:rPr lang="de-CH" dirty="0" smtClean="0"/>
-              <a:t>Dabei müssen sowohl gesetzliche Rahmenbedingungen als auch die technischen Massnahmen der Datenschutzkriterien, idealerweise bereits beim Projektstart, berücksichtigt werden. </a:t>
-            </a:r>
-          </a:p>
-          <a:p>
-            <a:r>
-              <a:rPr lang="de-CH" dirty="0" smtClean="0"/>
-              <a:t>Interne Stellen müssen festlegen und überwachen, wer auf welche Daten zugreifen kann und den Zugriff für unberechtigte Personen und Systeme sperren.</a:t>
-            </a:r>
-          </a:p>
-          <a:p>
-            <a:r>
-              <a:rPr lang="de-CH" dirty="0" smtClean="0"/>
-              <a:t>Das kann dazu führen das einzelne Informationen doppelt geführt werden, wo aus Datenschutzgründen Profile nicht verknüpft werden dürfen.</a:t>
+              <a:t>Vorteile:</a:t>
+            </a:r>
+          </a:p>
+          <a:p>
+            <a:pPr lvl="1"/>
+            <a:r>
+              <a:rPr lang="de-CH" dirty="0" smtClean="0"/>
+              <a:t>Kommunikation erleichtern</a:t>
             </a:r>
             <a:endParaRPr lang="de-CH" dirty="0"/>
           </a:p>
@@ -4112,7 +4341,7 @@
     </p:spTree>
     <p:extLst>
       <p:ext uri="{BB962C8B-B14F-4D97-AF65-F5344CB8AC3E}">
-        <p14:creationId xmlns:p14="http://schemas.microsoft.com/office/powerpoint/2010/main" val="289013231"/>
+        <p14:creationId xmlns:p14="http://schemas.microsoft.com/office/powerpoint/2010/main" val="3404384444"/>
       </p:ext>
     </p:extLst>
   </p:cSld>
@@ -4163,8 +4392,8 @@
           <a:p>
             <a:pPr algn="ctr"/>
             <a:r>
-              <a:rPr lang="de-CH" dirty="0" smtClean="0"/>
-              <a:t>Data Security</a:t>
+              <a:rPr lang="en-US" dirty="0" smtClean="0"/>
+              <a:t>Common Vocabulary and Data Definitions</a:t>
             </a:r>
             <a:endParaRPr lang="de-CH" dirty="0"/>
           </a:p>
@@ -4182,13 +4411,20 @@
         </p:nvSpPr>
         <p:spPr/>
         <p:txBody>
-          <a:bodyPr>
-            <a:normAutofit/>
-          </a:bodyPr>
-          <a:lstStyle/>
-          <a:p>
-            <a:r>
-              <a:rPr lang="de-CH" dirty="0" smtClean="0"/>
+          <a:bodyPr/>
+          <a:lstStyle/>
+          <a:p>
+            <a:r>
+              <a:rPr lang="de-CH" dirty="0" smtClean="0"/>
+              <a:t>Unternehmensweit Definition und Verständnis</a:t>
+            </a:r>
+          </a:p>
+          <a:p>
+            <a:endParaRPr lang="de-CH" dirty="0"/>
+          </a:p>
+          <a:p>
+            <a:r>
+              <a:rPr lang="de-CH" dirty="0"/>
               <a:t>Vorteile:</a:t>
             </a:r>
           </a:p>
@@ -4196,22 +4432,51 @@
             <a:pPr lvl="1"/>
             <a:r>
               <a:rPr lang="de-CH" dirty="0" smtClean="0"/>
-              <a:t>Erfüllung der gesetzlichen Auflagen</a:t>
+              <a:t>Kommunikation erleichtern</a:t>
             </a:r>
           </a:p>
           <a:p>
             <a:pPr lvl="1"/>
-            <a:r>
-              <a:rPr lang="de-CH" dirty="0" smtClean="0"/>
-              <a:t>Wissensvorsprung behalten</a:t>
+            <a:endParaRPr lang="de-CH" dirty="0" smtClean="0"/>
+          </a:p>
+          <a:p>
+            <a:r>
+              <a:rPr lang="de-CH" dirty="0"/>
+              <a:t>Nachteile</a:t>
             </a:r>
           </a:p>
           <a:p>
             <a:pPr lvl="1"/>
             <a:r>
               <a:rPr lang="de-CH" dirty="0" smtClean="0"/>
-              <a:t>Verkaufsargument</a:t>
-            </a:r>
+              <a:t>Ressourcen</a:t>
+            </a:r>
+          </a:p>
+          <a:p>
+            <a:pPr lvl="1"/>
+            <a:r>
+              <a:rPr lang="de-CH" dirty="0" smtClean="0"/>
+              <a:t>Initiale Arbeit</a:t>
+            </a:r>
+          </a:p>
+          <a:p>
+            <a:pPr lvl="1"/>
+            <a:r>
+              <a:rPr lang="de-CH" dirty="0"/>
+              <a:t>K</a:t>
+            </a:r>
+            <a:r>
+              <a:rPr lang="de-CH" dirty="0" smtClean="0"/>
+              <a:t>oordination</a:t>
+            </a:r>
+            <a:endParaRPr lang="de-CH" dirty="0"/>
+          </a:p>
+          <a:p>
+            <a:pPr lvl="1"/>
+            <a:endParaRPr lang="de-CH" dirty="0"/>
+          </a:p>
+          <a:p>
+            <a:pPr lvl="1"/>
             <a:endParaRPr lang="de-CH" dirty="0"/>
           </a:p>
         </p:txBody>
@@ -4219,7 +4484,7 @@
     </p:spTree>
     <p:extLst>
       <p:ext uri="{BB962C8B-B14F-4D97-AF65-F5344CB8AC3E}">
-        <p14:creationId xmlns:p14="http://schemas.microsoft.com/office/powerpoint/2010/main" val="1478935587"/>
+        <p14:creationId xmlns:p14="http://schemas.microsoft.com/office/powerpoint/2010/main" val="2248604662"/>
       </p:ext>
     </p:extLst>
   </p:cSld>
@@ -4295,61 +4560,30 @@
           <a:lstStyle/>
           <a:p>
             <a:r>
-              <a:rPr lang="de-CH" dirty="0" smtClean="0"/>
-              <a:t>Vorteile:</a:t>
-            </a:r>
-          </a:p>
-          <a:p>
-            <a:pPr lvl="1"/>
-            <a:r>
-              <a:rPr lang="de-CH" dirty="0" smtClean="0"/>
-              <a:t>Erfüllung der gesetzlichen Auflagen</a:t>
-            </a:r>
-          </a:p>
-          <a:p>
-            <a:pPr lvl="1"/>
-            <a:r>
-              <a:rPr lang="de-CH" dirty="0" smtClean="0"/>
-              <a:t>Wissensvorsprung behalten</a:t>
-            </a:r>
-          </a:p>
-          <a:p>
-            <a:pPr lvl="1"/>
-            <a:r>
-              <a:rPr lang="de-CH" dirty="0" smtClean="0"/>
-              <a:t>Verkaufsargument</a:t>
-            </a:r>
-          </a:p>
-          <a:p>
-            <a:pPr lvl="1"/>
-            <a:endParaRPr lang="de-CH" dirty="0" smtClean="0"/>
-          </a:p>
-          <a:p>
-            <a:r>
-              <a:rPr lang="de-CH" dirty="0" smtClean="0"/>
-              <a:t>Nachteile</a:t>
-            </a:r>
-          </a:p>
-          <a:p>
-            <a:pPr lvl="1"/>
-            <a:r>
-              <a:rPr lang="de-CH" dirty="0" smtClean="0"/>
-              <a:t>Aufwand (technisch, finanziell)</a:t>
-            </a:r>
-          </a:p>
-          <a:p>
-            <a:pPr lvl="1"/>
-            <a:r>
-              <a:rPr lang="de-CH" dirty="0" smtClean="0"/>
-              <a:t>Entsprechendes </a:t>
-            </a:r>
-            <a:r>
-              <a:rPr lang="de-CH" dirty="0" err="1" smtClean="0"/>
-              <a:t>Know-How</a:t>
-            </a:r>
-            <a:r>
-              <a:rPr lang="de-CH" dirty="0" smtClean="0"/>
-              <a:t> notwendig</a:t>
+              <a:rPr lang="de-CH" dirty="0"/>
+              <a:t>s</a:t>
+            </a:r>
+            <a:r>
+              <a:rPr lang="de-CH" dirty="0" smtClean="0"/>
+              <a:t>ensible Daten müssen vor unberechtigtem Zugriff geschützt werden</a:t>
+            </a:r>
+          </a:p>
+          <a:p>
+            <a:r>
+              <a:rPr lang="de-CH" dirty="0" smtClean="0"/>
+              <a:t>Dabei müssen sowohl gesetzliche Rahmenbedingungen als auch die technischen Massnahmen der Datenschutzkriterien, idealerweise bereits beim Projektstart, berücksichtigt werden. </a:t>
+            </a:r>
+          </a:p>
+          <a:p>
+            <a:r>
+              <a:rPr lang="de-CH" dirty="0" smtClean="0"/>
+              <a:t>Interne Stellen müssen festlegen und überwachen, wer auf welche Daten zugreifen kann und den Zugriff für unberechtigte Personen und Systeme sperren.</a:t>
+            </a:r>
+          </a:p>
+          <a:p>
+            <a:r>
+              <a:rPr lang="de-CH" dirty="0" smtClean="0"/>
+              <a:t>Das kann dazu führen das einzelne Informationen doppelt geführt werden, wo aus Datenschutzgründen Profile nicht verknüpft werden dürfen.</a:t>
             </a:r>
             <a:endParaRPr lang="de-CH" dirty="0"/>
           </a:p>
@@ -4358,7 +4592,7 @@
     </p:spTree>
     <p:extLst>
       <p:ext uri="{BB962C8B-B14F-4D97-AF65-F5344CB8AC3E}">
-        <p14:creationId xmlns:p14="http://schemas.microsoft.com/office/powerpoint/2010/main" val="627881431"/>
+        <p14:creationId xmlns:p14="http://schemas.microsoft.com/office/powerpoint/2010/main" val="289013231"/>
       </p:ext>
     </p:extLst>
   </p:cSld>

--- a/Architekturprinzip/Architekturprinzipen.pptx
+++ b/Architekturprinzip/Architekturprinzipen.pptx
@@ -9,7 +9,7 @@
     <p:sldId id="257" r:id="rId3"/>
     <p:sldId id="258" r:id="rId4"/>
     <p:sldId id="259" r:id="rId5"/>
-    <p:sldId id="260" r:id="rId6"/>
+    <p:sldId id="270" r:id="rId6"/>
     <p:sldId id="261" r:id="rId7"/>
     <p:sldId id="268" r:id="rId8"/>
     <p:sldId id="269" r:id="rId9"/>
@@ -305,7 +305,7 @@
           <a:p>
             <a:fld id="{B4AB9CE6-B8A2-4F67-B4D3-9D12B879175D}" type="datetimeFigureOut">
               <a:rPr lang="de-CH" smtClean="0"/>
-              <a:t>01.08.2016</a:t>
+              <a:t>09.08.2016</a:t>
             </a:fld>
             <a:endParaRPr lang="de-CH"/>
           </a:p>
@@ -475,7 +475,7 @@
           <a:p>
             <a:fld id="{B4AB9CE6-B8A2-4F67-B4D3-9D12B879175D}" type="datetimeFigureOut">
               <a:rPr lang="de-CH" smtClean="0"/>
-              <a:t>01.08.2016</a:t>
+              <a:t>09.08.2016</a:t>
             </a:fld>
             <a:endParaRPr lang="de-CH"/>
           </a:p>
@@ -655,7 +655,7 @@
           <a:p>
             <a:fld id="{B4AB9CE6-B8A2-4F67-B4D3-9D12B879175D}" type="datetimeFigureOut">
               <a:rPr lang="de-CH" smtClean="0"/>
-              <a:t>01.08.2016</a:t>
+              <a:t>09.08.2016</a:t>
             </a:fld>
             <a:endParaRPr lang="de-CH"/>
           </a:p>
@@ -825,7 +825,7 @@
           <a:p>
             <a:fld id="{B4AB9CE6-B8A2-4F67-B4D3-9D12B879175D}" type="datetimeFigureOut">
               <a:rPr lang="de-CH" smtClean="0"/>
-              <a:t>01.08.2016</a:t>
+              <a:t>09.08.2016</a:t>
             </a:fld>
             <a:endParaRPr lang="de-CH"/>
           </a:p>
@@ -1071,7 +1071,7 @@
           <a:p>
             <a:fld id="{B4AB9CE6-B8A2-4F67-B4D3-9D12B879175D}" type="datetimeFigureOut">
               <a:rPr lang="de-CH" smtClean="0"/>
-              <a:t>01.08.2016</a:t>
+              <a:t>09.08.2016</a:t>
             </a:fld>
             <a:endParaRPr lang="de-CH"/>
           </a:p>
@@ -1303,7 +1303,7 @@
           <a:p>
             <a:fld id="{B4AB9CE6-B8A2-4F67-B4D3-9D12B879175D}" type="datetimeFigureOut">
               <a:rPr lang="de-CH" smtClean="0"/>
-              <a:t>01.08.2016</a:t>
+              <a:t>09.08.2016</a:t>
             </a:fld>
             <a:endParaRPr lang="de-CH"/>
           </a:p>
@@ -1670,7 +1670,7 @@
           <a:p>
             <a:fld id="{B4AB9CE6-B8A2-4F67-B4D3-9D12B879175D}" type="datetimeFigureOut">
               <a:rPr lang="de-CH" smtClean="0"/>
-              <a:t>01.08.2016</a:t>
+              <a:t>09.08.2016</a:t>
             </a:fld>
             <a:endParaRPr lang="de-CH"/>
           </a:p>
@@ -1788,7 +1788,7 @@
           <a:p>
             <a:fld id="{B4AB9CE6-B8A2-4F67-B4D3-9D12B879175D}" type="datetimeFigureOut">
               <a:rPr lang="de-CH" smtClean="0"/>
-              <a:t>01.08.2016</a:t>
+              <a:t>09.08.2016</a:t>
             </a:fld>
             <a:endParaRPr lang="de-CH"/>
           </a:p>
@@ -1883,7 +1883,7 @@
           <a:p>
             <a:fld id="{B4AB9CE6-B8A2-4F67-B4D3-9D12B879175D}" type="datetimeFigureOut">
               <a:rPr lang="de-CH" smtClean="0"/>
-              <a:t>01.08.2016</a:t>
+              <a:t>09.08.2016</a:t>
             </a:fld>
             <a:endParaRPr lang="de-CH"/>
           </a:p>
@@ -2160,7 +2160,7 @@
           <a:p>
             <a:fld id="{B4AB9CE6-B8A2-4F67-B4D3-9D12B879175D}" type="datetimeFigureOut">
               <a:rPr lang="de-CH" smtClean="0"/>
-              <a:t>01.08.2016</a:t>
+              <a:t>09.08.2016</a:t>
             </a:fld>
             <a:endParaRPr lang="de-CH"/>
           </a:p>
@@ -2413,7 +2413,7 @@
           <a:p>
             <a:fld id="{B4AB9CE6-B8A2-4F67-B4D3-9D12B879175D}" type="datetimeFigureOut">
               <a:rPr lang="de-CH" smtClean="0"/>
-              <a:t>01.08.2016</a:t>
+              <a:t>09.08.2016</a:t>
             </a:fld>
             <a:endParaRPr lang="de-CH"/>
           </a:p>
@@ -2626,7 +2626,7 @@
           <a:p>
             <a:fld id="{B4AB9CE6-B8A2-4F67-B4D3-9D12B879175D}" type="datetimeFigureOut">
               <a:rPr lang="de-CH" smtClean="0"/>
-              <a:t>01.08.2016</a:t>
+              <a:t>09.08.2016</a:t>
             </a:fld>
             <a:endParaRPr lang="de-CH"/>
           </a:p>
@@ -3163,8 +3163,9 @@
           <a:p>
             <a:r>
               <a:rPr lang="de-CH" dirty="0" smtClean="0"/>
-              <a:t>Vorteile:</a:t>
-            </a:r>
+              <a:t>Vorteile</a:t>
+            </a:r>
+            <a:endParaRPr lang="de-CH" dirty="0" smtClean="0"/>
           </a:p>
           <a:p>
             <a:pPr lvl="1"/>
@@ -3270,8 +3271,9 @@
           <a:p>
             <a:r>
               <a:rPr lang="de-CH" dirty="0" smtClean="0"/>
-              <a:t>Vorteile:</a:t>
-            </a:r>
+              <a:t>Vorteile</a:t>
+            </a:r>
+            <a:endParaRPr lang="de-CH" dirty="0" smtClean="0"/>
           </a:p>
           <a:p>
             <a:pPr lvl="1"/>
@@ -3300,9 +3302,10 @@
           </a:p>
           <a:p>
             <a:r>
-              <a:rPr lang="de-CH" dirty="0" smtClean="0"/>
-              <a:t>Nachteile</a:t>
-            </a:r>
+              <a:rPr lang="de-CH" dirty="0"/>
+              <a:t>Konsequenzen</a:t>
+            </a:r>
+            <a:endParaRPr lang="de-CH" dirty="0" smtClean="0"/>
           </a:p>
           <a:p>
             <a:pPr lvl="1"/>
@@ -3678,8 +3681,9 @@
           <a:p>
             <a:r>
               <a:rPr lang="de-CH" dirty="0" smtClean="0"/>
-              <a:t>Nachteile/Konsequenzen</a:t>
-            </a:r>
+              <a:t>Konsequenzen</a:t>
+            </a:r>
+            <a:endParaRPr lang="de-CH" dirty="0" smtClean="0"/>
           </a:p>
           <a:p>
             <a:pPr lvl="1"/>
@@ -4043,9 +4047,10 @@
           </a:p>
           <a:p>
             <a:r>
-              <a:rPr lang="de-CH" dirty="0" smtClean="0"/>
-              <a:t>Nachteile</a:t>
-            </a:r>
+              <a:rPr lang="de-CH" dirty="0"/>
+              <a:t>Konsequenzen</a:t>
+            </a:r>
+            <a:endParaRPr lang="de-CH" dirty="0" smtClean="0"/>
           </a:p>
           <a:p>
             <a:pPr lvl="1"/>
@@ -4069,7 +4074,15 @@
             <a:pPr lvl="1"/>
             <a:r>
               <a:rPr lang="de-CH" dirty="0" smtClean="0"/>
-              <a:t>Nicht Optimale Lösung für jede Abteilung</a:t>
+              <a:t>Nicht </a:t>
+            </a:r>
+            <a:r>
+              <a:rPr lang="de-CH" dirty="0" smtClean="0"/>
+              <a:t>optimale </a:t>
+            </a:r>
+            <a:r>
+              <a:rPr lang="de-CH" dirty="0" smtClean="0"/>
+              <a:t>Lösung für jede Abteilung</a:t>
             </a:r>
           </a:p>
         </p:txBody>
@@ -4147,17 +4160,118 @@
         </p:nvSpPr>
         <p:spPr/>
         <p:txBody>
-          <a:bodyPr/>
-          <a:lstStyle/>
-          <a:p>
-            <a:endParaRPr lang="de-CH"/>
+          <a:bodyPr>
+            <a:normAutofit fontScale="92500" lnSpcReduction="20000"/>
+          </a:bodyPr>
+          <a:lstStyle/>
+          <a:p>
+            <a:r>
+              <a:rPr lang="de-CH" dirty="0" smtClean="0"/>
+              <a:t>Datenverantwortlichkeiten festlegen</a:t>
+            </a:r>
+          </a:p>
+          <a:p>
+            <a:endParaRPr lang="de-CH" dirty="0"/>
+          </a:p>
+          <a:p>
+            <a:r>
+              <a:rPr lang="de-CH" dirty="0" smtClean="0"/>
+              <a:t>Vorteile</a:t>
+            </a:r>
+            <a:endParaRPr lang="de-CH" dirty="0"/>
+          </a:p>
+          <a:p>
+            <a:pPr lvl="1"/>
+            <a:r>
+              <a:rPr lang="de-CH" dirty="0" smtClean="0"/>
+              <a:t>Keine </a:t>
+            </a:r>
+            <a:r>
+              <a:rPr lang="de-CH" dirty="0" err="1"/>
+              <a:t>Datenredunanz</a:t>
+            </a:r>
+            <a:r>
+              <a:rPr lang="de-CH" dirty="0"/>
+              <a:t>: Daten werden nur einmal erfasst und gespeichert</a:t>
+            </a:r>
+            <a:r>
+              <a:rPr lang="de-CH" dirty="0" smtClean="0"/>
+              <a:t>.	</a:t>
+            </a:r>
+            <a:endParaRPr lang="de-CH" dirty="0"/>
+          </a:p>
+          <a:p>
+            <a:pPr lvl="1"/>
+            <a:r>
+              <a:rPr lang="de-CH" dirty="0" smtClean="0"/>
+              <a:t>Datenkonsistenz</a:t>
+            </a:r>
+            <a:r>
+              <a:rPr lang="de-CH" dirty="0"/>
+              <a:t>: Die Daten werden bei der Erzeugung validiert, dies erhöht die Qualität der </a:t>
+            </a:r>
+            <a:r>
+              <a:rPr lang="de-CH" dirty="0" smtClean="0"/>
+              <a:t>Daten</a:t>
+            </a:r>
+          </a:p>
+          <a:p>
+            <a:pPr lvl="1"/>
+            <a:r>
+              <a:rPr lang="de-CH" dirty="0" smtClean="0"/>
+              <a:t>und </a:t>
+            </a:r>
+            <a:r>
+              <a:rPr lang="de-CH" dirty="0"/>
+              <a:t>können somit leichter im gesamten Unternehmen verwendet werden.</a:t>
+            </a:r>
+          </a:p>
+          <a:p>
+            <a:pPr marL="0" indent="0">
+              <a:buNone/>
+            </a:pPr>
+            <a:endParaRPr lang="de-CH" dirty="0" smtClean="0"/>
+          </a:p>
+          <a:p>
+            <a:r>
+              <a:rPr lang="de-CH" dirty="0" smtClean="0"/>
+              <a:t>Konsequenzen</a:t>
+            </a:r>
+            <a:endParaRPr lang="de-CH" dirty="0"/>
+          </a:p>
+          <a:p>
+            <a:pPr lvl="1"/>
+            <a:r>
+              <a:rPr lang="de-CH" dirty="0" smtClean="0"/>
+              <a:t>Die </a:t>
+            </a:r>
+            <a:r>
+              <a:rPr lang="de-CH" dirty="0"/>
+              <a:t>Datenhoheit und Kontrolle über die Daten können verloren gehen, wenn sie durch eine Data Trustee verwaltet werden.</a:t>
+            </a:r>
+          </a:p>
+          <a:p>
+            <a:pPr lvl="1"/>
+            <a:r>
+              <a:rPr lang="de-CH" dirty="0"/>
+              <a:t>Problematisch bei sicherheitskritischen Daten, sowie bei </a:t>
+            </a:r>
+            <a:r>
+              <a:rPr lang="de-CH" dirty="0" err="1"/>
+              <a:t>Cloudlösungen</a:t>
+            </a:r>
+            <a:r>
+              <a:rPr lang="de-CH" dirty="0"/>
+              <a:t>.</a:t>
+            </a:r>
+            <a:endParaRPr lang="de-CH" dirty="0"/>
           </a:p>
         </p:txBody>
       </p:sp>
     </p:spTree>
     <p:extLst>
       <p:ext uri="{BB962C8B-B14F-4D97-AF65-F5344CB8AC3E}">
-        <p14:creationId xmlns:p14="http://schemas.microsoft.com/office/powerpoint/2010/main" val="560603191"/>
+        <p14:creationId xmlns:p14="http://schemas.microsoft.com/office/powerpoint/2010/main" val="4223394952"/>
       </p:ext>
     </p:extLst>
   </p:cSld>
@@ -4232,7 +4346,11 @@
           <a:p>
             <a:r>
               <a:rPr lang="de-CH" dirty="0" smtClean="0"/>
-              <a:t>Unternehmensweit Definition und Verständnis</a:t>
+              <a:t>Unternehmensweite Definition </a:t>
+            </a:r>
+            <a:r>
+              <a:rPr lang="de-CH" dirty="0" smtClean="0"/>
+              <a:t>und Verständnis</a:t>
             </a:r>
             <a:endParaRPr lang="de-CH" dirty="0"/>
           </a:p>
@@ -4315,8 +4433,8 @@
           <a:lstStyle/>
           <a:p>
             <a:r>
-              <a:rPr lang="de-CH" dirty="0" smtClean="0"/>
-              <a:t>Unternehmensweit Definition und Verständnis</a:t>
+              <a:rPr lang="de-CH" dirty="0"/>
+              <a:t>Unternehmensweite Definition und Verständnis</a:t>
             </a:r>
           </a:p>
           <a:p>
@@ -4415,8 +4533,8 @@
           <a:lstStyle/>
           <a:p>
             <a:r>
-              <a:rPr lang="de-CH" dirty="0" smtClean="0"/>
-              <a:t>Unternehmensweit Definition und Verständnis</a:t>
+              <a:rPr lang="de-CH" dirty="0"/>
+              <a:t>Unternehmensweite Definition und Verständnis</a:t>
             </a:r>
           </a:p>
           <a:p>
@@ -4424,9 +4542,10 @@
           </a:p>
           <a:p>
             <a:r>
-              <a:rPr lang="de-CH" dirty="0"/>
-              <a:t>Vorteile:</a:t>
-            </a:r>
+              <a:rPr lang="de-CH" dirty="0" smtClean="0"/>
+              <a:t>Vorteile</a:t>
+            </a:r>
+            <a:endParaRPr lang="de-CH" dirty="0"/>
           </a:p>
           <a:p>
             <a:pPr lvl="1"/>
@@ -4442,8 +4561,9 @@
           <a:p>
             <a:r>
               <a:rPr lang="de-CH" dirty="0"/>
-              <a:t>Nachteile</a:t>
-            </a:r>
+              <a:t>Konsequenzen</a:t>
+            </a:r>
+            <a:endParaRPr lang="de-CH" dirty="0"/>
           </a:p>
           <a:p>
             <a:pPr lvl="1"/>
@@ -4565,13 +4685,30 @@
             </a:r>
             <a:r>
               <a:rPr lang="de-CH" dirty="0" smtClean="0"/>
-              <a:t>ensible Daten müssen vor unberechtigtem Zugriff geschützt werden</a:t>
-            </a:r>
-          </a:p>
-          <a:p>
-            <a:r>
-              <a:rPr lang="de-CH" dirty="0" smtClean="0"/>
-              <a:t>Dabei müssen sowohl gesetzliche Rahmenbedingungen als auch die technischen Massnahmen der Datenschutzkriterien, idealerweise bereits beim Projektstart, berücksichtigt werden. </a:t>
+              <a:t>ensible Daten </a:t>
+            </a:r>
+            <a:r>
+              <a:rPr lang="de-CH" dirty="0" smtClean="0"/>
+              <a:t>vor </a:t>
+            </a:r>
+            <a:r>
+              <a:rPr lang="de-CH" dirty="0" smtClean="0"/>
+              <a:t>unberechtigtem Zugriff </a:t>
+            </a:r>
+            <a:r>
+              <a:rPr lang="de-CH" dirty="0" smtClean="0"/>
+              <a:t>schützen</a:t>
+            </a:r>
+            <a:endParaRPr lang="de-CH" dirty="0" smtClean="0"/>
+          </a:p>
+          <a:p>
+            <a:r>
+              <a:rPr lang="de-CH" dirty="0" smtClean="0"/>
+              <a:t>Dabei müssen sowohl gesetzliche </a:t>
+            </a:r>
+            <a:r>
+              <a:rPr lang="de-CH" dirty="0" smtClean="0"/>
+              <a:t>Rahmenbedingungen als auch die technischen Massnahmen der Datenschutzkriterien, idealerweise bereits beim Projektstart, berücksichtigt werden. </a:t>
             </a:r>
           </a:p>
           <a:p>

--- a/Architekturprinzip/Architekturprinzipen.pptx
+++ b/Architekturprinzip/Architekturprinzipen.pptx
@@ -19,6 +19,7 @@
     <p:sldId id="265" r:id="rId13"/>
     <p:sldId id="266" r:id="rId14"/>
     <p:sldId id="267" r:id="rId15"/>
+    <p:sldId id="271" r:id="rId16"/>
   </p:sldIdLst>
   <p:sldSz cx="12192000" cy="6858000"/>
   <p:notesSz cx="6858000" cy="9144000"/>
@@ -3728,6 +3729,85 @@
 </p:sld>
 </file>
 
+<file path=ppt/slides/slide15.xml><?xml version="1.0" encoding="utf-8"?>
+<p:sld xmlns:a="http://schemas.openxmlformats.org/drawingml/2006/main" xmlns:r="http://schemas.openxmlformats.org/officeDocument/2006/relationships" xmlns:p="http://schemas.openxmlformats.org/presentationml/2006/main">
+  <p:cSld>
+    <p:spTree>
+      <p:nvGrpSpPr>
+        <p:cNvPr id="1" name=""/>
+        <p:cNvGrpSpPr/>
+        <p:nvPr/>
+      </p:nvGrpSpPr>
+      <p:grpSpPr>
+        <a:xfrm>
+          <a:off x="0" y="0"/>
+          <a:ext cx="0" cy="0"/>
+          <a:chOff x="0" y="0"/>
+          <a:chExt cx="0" cy="0"/>
+        </a:xfrm>
+      </p:grpSpPr>
+      <p:sp>
+        <p:nvSpPr>
+          <p:cNvPr id="4" name="Titel 3"/>
+          <p:cNvSpPr>
+            <a:spLocks noGrp="1"/>
+          </p:cNvSpPr>
+          <p:nvPr>
+            <p:ph type="ctrTitle"/>
+          </p:nvPr>
+        </p:nvSpPr>
+        <p:spPr/>
+        <p:txBody>
+          <a:bodyPr/>
+          <a:lstStyle/>
+          <a:p>
+            <a:r>
+              <a:rPr lang="de-CH" dirty="0" smtClean="0"/>
+              <a:t>Vielen Dank</a:t>
+            </a:r>
+            <a:endParaRPr lang="de-CH" dirty="0"/>
+          </a:p>
+        </p:txBody>
+      </p:sp>
+      <p:sp>
+        <p:nvSpPr>
+          <p:cNvPr id="5" name="Untertitel 4"/>
+          <p:cNvSpPr>
+            <a:spLocks noGrp="1"/>
+          </p:cNvSpPr>
+          <p:nvPr>
+            <p:ph type="subTitle" idx="1"/>
+          </p:nvPr>
+        </p:nvSpPr>
+        <p:spPr/>
+        <p:txBody>
+          <a:bodyPr/>
+          <a:lstStyle/>
+          <a:p>
+            <a:endParaRPr lang="de-CH" dirty="0"/>
+          </a:p>
+        </p:txBody>
+      </p:sp>
+    </p:spTree>
+    <p:extLst>
+      <p:ext uri="{BB962C8B-B14F-4D97-AF65-F5344CB8AC3E}">
+        <p14:creationId xmlns:p14="http://schemas.microsoft.com/office/powerpoint/2010/main" val="3481572711"/>
+      </p:ext>
+    </p:extLst>
+  </p:cSld>
+  <p:clrMapOvr>
+    <a:masterClrMapping/>
+  </p:clrMapOvr>
+  <p:timing>
+    <p:tnLst>
+      <p:par>
+        <p:cTn id="1" dur="indefinite" restart="never" nodeType="tmRoot"/>
+      </p:par>
+    </p:tnLst>
+  </p:timing>
+</p:sld>
+</file>
+
 <file path=ppt/slides/slide2.xml><?xml version="1.0" encoding="utf-8"?>
 <p:sld xmlns:a="http://schemas.openxmlformats.org/drawingml/2006/main" xmlns:r="http://schemas.openxmlformats.org/officeDocument/2006/relationships" xmlns:p="http://schemas.openxmlformats.org/presentationml/2006/main">
   <p:cSld>
@@ -4681,11 +4761,15 @@
           <a:p>
             <a:r>
               <a:rPr lang="de-CH" dirty="0"/>
-              <a:t>s</a:t>
-            </a:r>
-            <a:r>
-              <a:rPr lang="de-CH" dirty="0" smtClean="0"/>
-              <a:t>ensible Daten </a:t>
+              <a:t>S</a:t>
+            </a:r>
+            <a:r>
+              <a:rPr lang="de-CH" dirty="0" smtClean="0"/>
+              <a:t>ensible </a:t>
+            </a:r>
+            <a:r>
+              <a:rPr lang="de-CH" dirty="0" smtClean="0"/>
+              <a:t>Daten </a:t>
             </a:r>
             <a:r>
               <a:rPr lang="de-CH" dirty="0" smtClean="0"/>
